--- a/Docs/Presentation.pptx
+++ b/Docs/Presentation.pptx
@@ -10,12 +10,11 @@
     <p:sldId id="258" r:id="rId4"/>
     <p:sldId id="259" r:id="rId5"/>
     <p:sldId id="260" r:id="rId6"/>
-    <p:sldId id="261" r:id="rId7"/>
-    <p:sldId id="262" r:id="rId8"/>
-    <p:sldId id="263" r:id="rId9"/>
-    <p:sldId id="264" r:id="rId10"/>
-    <p:sldId id="265" r:id="rId11"/>
-    <p:sldId id="266" r:id="rId12"/>
+    <p:sldId id="262" r:id="rId7"/>
+    <p:sldId id="263" r:id="rId8"/>
+    <p:sldId id="264" r:id="rId9"/>
+    <p:sldId id="265" r:id="rId10"/>
+    <p:sldId id="266" r:id="rId11"/>
   </p:sldIdLst>
   <p:sldSz cx="9144000" cy="6858000" type="screen4x3"/>
   <p:notesSz cx="6858000" cy="9144000"/>
@@ -114,6 +113,22 @@
       </a:defRPr>
     </a:lvl9pPr>
   </p:defaultTextStyle>
+  <p:extLst>
+    <p:ext uri="{EFAFB233-063F-42B5-8137-9DF3F51BA10A}">
+      <p15:sldGuideLst xmlns:p15="http://schemas.microsoft.com/office/powerpoint/2012/main">
+        <p15:guide id="1" orient="horz" pos="2160">
+          <p15:clr>
+            <a:srgbClr val="A4A3A4"/>
+          </p15:clr>
+        </p15:guide>
+        <p15:guide id="2" pos="2880">
+          <p15:clr>
+            <a:srgbClr val="A4A3A4"/>
+          </p15:clr>
+        </p15:guide>
+      </p15:sldGuideLst>
+    </p:ext>
+  </p:extLst>
 </p:presentation>
 </file>
 
@@ -155,10 +170,9 @@
           <a:lstStyle/>
           <a:p>
             <a:r>
-              <a:rPr lang="en-US" smtClean="0"/>
+              <a:rPr lang="en-US"/>
               <a:t>Click to edit Master title style</a:t>
             </a:r>
-            <a:endParaRPr lang="en-US"/>
           </a:p>
         </p:txBody>
       </p:sp>
@@ -274,10 +288,9 @@
           </a:lstStyle>
           <a:p>
             <a:r>
-              <a:rPr lang="en-US" smtClean="0"/>
+              <a:rPr lang="en-US"/>
               <a:t>Click to edit Master subtitle style</a:t>
             </a:r>
-            <a:endParaRPr lang="en-US"/>
           </a:p>
         </p:txBody>
       </p:sp>
@@ -299,7 +312,7 @@
             <a:fld id="{1D8BD707-D9CF-40AE-B4C6-C98DA3205C09}" type="datetimeFigureOut">
               <a:rPr lang="en-US" smtClean="0"/>
               <a:pPr/>
-              <a:t>12-Jan-20</a:t>
+              <a:t>1/13/2020</a:t>
             </a:fld>
             <a:endParaRPr lang="en-US"/>
           </a:p>
@@ -389,10 +402,9 @@
           <a:lstStyle/>
           <a:p>
             <a:r>
-              <a:rPr lang="en-US" smtClean="0"/>
+              <a:rPr lang="en-US"/>
               <a:t>Click to edit Master title style</a:t>
             </a:r>
-            <a:endParaRPr lang="en-US"/>
           </a:p>
         </p:txBody>
       </p:sp>
@@ -413,38 +425,37 @@
           <a:p>
             <a:pPr lvl="0"/>
             <a:r>
-              <a:rPr lang="en-US" smtClean="0"/>
+              <a:rPr lang="en-US"/>
               <a:t>Click to edit Master text styles</a:t>
             </a:r>
           </a:p>
           <a:p>
             <a:pPr lvl="1"/>
             <a:r>
-              <a:rPr lang="en-US" smtClean="0"/>
+              <a:rPr lang="en-US"/>
               <a:t>Second level</a:t>
             </a:r>
           </a:p>
           <a:p>
             <a:pPr lvl="2"/>
             <a:r>
-              <a:rPr lang="en-US" smtClean="0"/>
+              <a:rPr lang="en-US"/>
               <a:t>Third level</a:t>
             </a:r>
           </a:p>
           <a:p>
             <a:pPr lvl="3"/>
             <a:r>
-              <a:rPr lang="en-US" smtClean="0"/>
+              <a:rPr lang="en-US"/>
               <a:t>Fourth level</a:t>
             </a:r>
           </a:p>
           <a:p>
             <a:pPr lvl="4"/>
             <a:r>
-              <a:rPr lang="en-US" smtClean="0"/>
+              <a:rPr lang="en-US"/>
               <a:t>Fifth level</a:t>
             </a:r>
-            <a:endParaRPr lang="en-US"/>
           </a:p>
         </p:txBody>
       </p:sp>
@@ -466,7 +477,7 @@
             <a:fld id="{1D8BD707-D9CF-40AE-B4C6-C98DA3205C09}" type="datetimeFigureOut">
               <a:rPr lang="en-US" smtClean="0"/>
               <a:pPr/>
-              <a:t>12-Jan-20</a:t>
+              <a:t>1/13/2020</a:t>
             </a:fld>
             <a:endParaRPr lang="en-US"/>
           </a:p>
@@ -561,10 +572,9 @@
           <a:lstStyle/>
           <a:p>
             <a:r>
-              <a:rPr lang="en-US" smtClean="0"/>
+              <a:rPr lang="en-US"/>
               <a:t>Click to edit Master title style</a:t>
             </a:r>
-            <a:endParaRPr lang="en-US"/>
           </a:p>
         </p:txBody>
       </p:sp>
@@ -590,38 +600,37 @@
           <a:p>
             <a:pPr lvl="0"/>
             <a:r>
-              <a:rPr lang="en-US" smtClean="0"/>
+              <a:rPr lang="en-US"/>
               <a:t>Click to edit Master text styles</a:t>
             </a:r>
           </a:p>
           <a:p>
             <a:pPr lvl="1"/>
             <a:r>
-              <a:rPr lang="en-US" smtClean="0"/>
+              <a:rPr lang="en-US"/>
               <a:t>Second level</a:t>
             </a:r>
           </a:p>
           <a:p>
             <a:pPr lvl="2"/>
             <a:r>
-              <a:rPr lang="en-US" smtClean="0"/>
+              <a:rPr lang="en-US"/>
               <a:t>Third level</a:t>
             </a:r>
           </a:p>
           <a:p>
             <a:pPr lvl="3"/>
             <a:r>
-              <a:rPr lang="en-US" smtClean="0"/>
+              <a:rPr lang="en-US"/>
               <a:t>Fourth level</a:t>
             </a:r>
           </a:p>
           <a:p>
             <a:pPr lvl="4"/>
             <a:r>
-              <a:rPr lang="en-US" smtClean="0"/>
+              <a:rPr lang="en-US"/>
               <a:t>Fifth level</a:t>
             </a:r>
-            <a:endParaRPr lang="en-US"/>
           </a:p>
         </p:txBody>
       </p:sp>
@@ -643,7 +652,7 @@
             <a:fld id="{1D8BD707-D9CF-40AE-B4C6-C98DA3205C09}" type="datetimeFigureOut">
               <a:rPr lang="en-US" smtClean="0"/>
               <a:pPr/>
-              <a:t>12-Jan-20</a:t>
+              <a:t>1/13/2020</a:t>
             </a:fld>
             <a:endParaRPr lang="en-US"/>
           </a:p>
@@ -733,10 +742,9 @@
           <a:lstStyle/>
           <a:p>
             <a:r>
-              <a:rPr lang="en-US" smtClean="0"/>
+              <a:rPr lang="en-US"/>
               <a:t>Click to edit Master title style</a:t>
             </a:r>
-            <a:endParaRPr lang="en-US"/>
           </a:p>
         </p:txBody>
       </p:sp>
@@ -757,38 +765,37 @@
           <a:p>
             <a:pPr lvl="0"/>
             <a:r>
-              <a:rPr lang="en-US" smtClean="0"/>
+              <a:rPr lang="en-US"/>
               <a:t>Click to edit Master text styles</a:t>
             </a:r>
           </a:p>
           <a:p>
             <a:pPr lvl="1"/>
             <a:r>
-              <a:rPr lang="en-US" smtClean="0"/>
+              <a:rPr lang="en-US"/>
               <a:t>Second level</a:t>
             </a:r>
           </a:p>
           <a:p>
             <a:pPr lvl="2"/>
             <a:r>
-              <a:rPr lang="en-US" smtClean="0"/>
+              <a:rPr lang="en-US"/>
               <a:t>Third level</a:t>
             </a:r>
           </a:p>
           <a:p>
             <a:pPr lvl="3"/>
             <a:r>
-              <a:rPr lang="en-US" smtClean="0"/>
+              <a:rPr lang="en-US"/>
               <a:t>Fourth level</a:t>
             </a:r>
           </a:p>
           <a:p>
             <a:pPr lvl="4"/>
             <a:r>
-              <a:rPr lang="en-US" smtClean="0"/>
+              <a:rPr lang="en-US"/>
               <a:t>Fifth level</a:t>
             </a:r>
-            <a:endParaRPr lang="en-US"/>
           </a:p>
         </p:txBody>
       </p:sp>
@@ -810,7 +817,7 @@
             <a:fld id="{1D8BD707-D9CF-40AE-B4C6-C98DA3205C09}" type="datetimeFigureOut">
               <a:rPr lang="en-US" smtClean="0"/>
               <a:pPr/>
-              <a:t>12-Jan-20</a:t>
+              <a:t>1/13/2020</a:t>
             </a:fld>
             <a:endParaRPr lang="en-US"/>
           </a:p>
@@ -909,10 +916,9 @@
           </a:lstStyle>
           <a:p>
             <a:r>
-              <a:rPr lang="en-US" smtClean="0"/>
+              <a:rPr lang="en-US"/>
               <a:t>Click to edit Master title style</a:t>
             </a:r>
-            <a:endParaRPr lang="en-US"/>
           </a:p>
         </p:txBody>
       </p:sp>
@@ -1029,7 +1035,7 @@
           <a:p>
             <a:pPr lvl="0"/>
             <a:r>
-              <a:rPr lang="en-US" smtClean="0"/>
+              <a:rPr lang="en-US"/>
               <a:t>Click to edit Master text styles</a:t>
             </a:r>
           </a:p>
@@ -1053,7 +1059,7 @@
             <a:fld id="{1D8BD707-D9CF-40AE-B4C6-C98DA3205C09}" type="datetimeFigureOut">
               <a:rPr lang="en-US" smtClean="0"/>
               <a:pPr/>
-              <a:t>12-Jan-20</a:t>
+              <a:t>1/13/2020</a:t>
             </a:fld>
             <a:endParaRPr lang="en-US"/>
           </a:p>
@@ -1143,10 +1149,9 @@
           <a:lstStyle/>
           <a:p>
             <a:r>
-              <a:rPr lang="en-US" smtClean="0"/>
+              <a:rPr lang="en-US"/>
               <a:t>Click to edit Master title style</a:t>
             </a:r>
-            <a:endParaRPr lang="en-US"/>
           </a:p>
         </p:txBody>
       </p:sp>
@@ -1200,38 +1205,37 @@
           <a:p>
             <a:pPr lvl="0"/>
             <a:r>
-              <a:rPr lang="en-US" smtClean="0"/>
+              <a:rPr lang="en-US"/>
               <a:t>Click to edit Master text styles</a:t>
             </a:r>
           </a:p>
           <a:p>
             <a:pPr lvl="1"/>
             <a:r>
-              <a:rPr lang="en-US" smtClean="0"/>
+              <a:rPr lang="en-US"/>
               <a:t>Second level</a:t>
             </a:r>
           </a:p>
           <a:p>
             <a:pPr lvl="2"/>
             <a:r>
-              <a:rPr lang="en-US" smtClean="0"/>
+              <a:rPr lang="en-US"/>
               <a:t>Third level</a:t>
             </a:r>
           </a:p>
           <a:p>
             <a:pPr lvl="3"/>
             <a:r>
-              <a:rPr lang="en-US" smtClean="0"/>
+              <a:rPr lang="en-US"/>
               <a:t>Fourth level</a:t>
             </a:r>
           </a:p>
           <a:p>
             <a:pPr lvl="4"/>
             <a:r>
-              <a:rPr lang="en-US" smtClean="0"/>
+              <a:rPr lang="en-US"/>
               <a:t>Fifth level</a:t>
             </a:r>
-            <a:endParaRPr lang="en-US"/>
           </a:p>
         </p:txBody>
       </p:sp>
@@ -1285,38 +1289,37 @@
           <a:p>
             <a:pPr lvl="0"/>
             <a:r>
-              <a:rPr lang="en-US" smtClean="0"/>
+              <a:rPr lang="en-US"/>
               <a:t>Click to edit Master text styles</a:t>
             </a:r>
           </a:p>
           <a:p>
             <a:pPr lvl="1"/>
             <a:r>
-              <a:rPr lang="en-US" smtClean="0"/>
+              <a:rPr lang="en-US"/>
               <a:t>Second level</a:t>
             </a:r>
           </a:p>
           <a:p>
             <a:pPr lvl="2"/>
             <a:r>
-              <a:rPr lang="en-US" smtClean="0"/>
+              <a:rPr lang="en-US"/>
               <a:t>Third level</a:t>
             </a:r>
           </a:p>
           <a:p>
             <a:pPr lvl="3"/>
             <a:r>
-              <a:rPr lang="en-US" smtClean="0"/>
+              <a:rPr lang="en-US"/>
               <a:t>Fourth level</a:t>
             </a:r>
           </a:p>
           <a:p>
             <a:pPr lvl="4"/>
             <a:r>
-              <a:rPr lang="en-US" smtClean="0"/>
+              <a:rPr lang="en-US"/>
               <a:t>Fifth level</a:t>
             </a:r>
-            <a:endParaRPr lang="en-US"/>
           </a:p>
         </p:txBody>
       </p:sp>
@@ -1338,7 +1341,7 @@
             <a:fld id="{1D8BD707-D9CF-40AE-B4C6-C98DA3205C09}" type="datetimeFigureOut">
               <a:rPr lang="en-US" smtClean="0"/>
               <a:pPr/>
-              <a:t>12-Jan-20</a:t>
+              <a:t>1/13/2020</a:t>
             </a:fld>
             <a:endParaRPr lang="en-US"/>
           </a:p>
@@ -1432,10 +1435,9 @@
           </a:lstStyle>
           <a:p>
             <a:r>
-              <a:rPr lang="en-US" smtClean="0"/>
+              <a:rPr lang="en-US"/>
               <a:t>Click to edit Master title style</a:t>
             </a:r>
-            <a:endParaRPr lang="en-US"/>
           </a:p>
         </p:txBody>
       </p:sp>
@@ -1498,7 +1500,7 @@
           <a:p>
             <a:pPr lvl="0"/>
             <a:r>
-              <a:rPr lang="en-US" smtClean="0"/>
+              <a:rPr lang="en-US"/>
               <a:t>Click to edit Master text styles</a:t>
             </a:r>
           </a:p>
@@ -1554,38 +1556,37 @@
           <a:p>
             <a:pPr lvl="0"/>
             <a:r>
-              <a:rPr lang="en-US" smtClean="0"/>
+              <a:rPr lang="en-US"/>
               <a:t>Click to edit Master text styles</a:t>
             </a:r>
           </a:p>
           <a:p>
             <a:pPr lvl="1"/>
             <a:r>
-              <a:rPr lang="en-US" smtClean="0"/>
+              <a:rPr lang="en-US"/>
               <a:t>Second level</a:t>
             </a:r>
           </a:p>
           <a:p>
             <a:pPr lvl="2"/>
             <a:r>
-              <a:rPr lang="en-US" smtClean="0"/>
+              <a:rPr lang="en-US"/>
               <a:t>Third level</a:t>
             </a:r>
           </a:p>
           <a:p>
             <a:pPr lvl="3"/>
             <a:r>
-              <a:rPr lang="en-US" smtClean="0"/>
+              <a:rPr lang="en-US"/>
               <a:t>Fourth level</a:t>
             </a:r>
           </a:p>
           <a:p>
             <a:pPr lvl="4"/>
             <a:r>
-              <a:rPr lang="en-US" smtClean="0"/>
+              <a:rPr lang="en-US"/>
               <a:t>Fifth level</a:t>
             </a:r>
-            <a:endParaRPr lang="en-US"/>
           </a:p>
         </p:txBody>
       </p:sp>
@@ -1648,7 +1649,7 @@
           <a:p>
             <a:pPr lvl="0"/>
             <a:r>
-              <a:rPr lang="en-US" smtClean="0"/>
+              <a:rPr lang="en-US"/>
               <a:t>Click to edit Master text styles</a:t>
             </a:r>
           </a:p>
@@ -1704,38 +1705,37 @@
           <a:p>
             <a:pPr lvl="0"/>
             <a:r>
-              <a:rPr lang="en-US" smtClean="0"/>
+              <a:rPr lang="en-US"/>
               <a:t>Click to edit Master text styles</a:t>
             </a:r>
           </a:p>
           <a:p>
             <a:pPr lvl="1"/>
             <a:r>
-              <a:rPr lang="en-US" smtClean="0"/>
+              <a:rPr lang="en-US"/>
               <a:t>Second level</a:t>
             </a:r>
           </a:p>
           <a:p>
             <a:pPr lvl="2"/>
             <a:r>
-              <a:rPr lang="en-US" smtClean="0"/>
+              <a:rPr lang="en-US"/>
               <a:t>Third level</a:t>
             </a:r>
           </a:p>
           <a:p>
             <a:pPr lvl="3"/>
             <a:r>
-              <a:rPr lang="en-US" smtClean="0"/>
+              <a:rPr lang="en-US"/>
               <a:t>Fourth level</a:t>
             </a:r>
           </a:p>
           <a:p>
             <a:pPr lvl="4"/>
             <a:r>
-              <a:rPr lang="en-US" smtClean="0"/>
+              <a:rPr lang="en-US"/>
               <a:t>Fifth level</a:t>
             </a:r>
-            <a:endParaRPr lang="en-US"/>
           </a:p>
         </p:txBody>
       </p:sp>
@@ -1757,7 +1757,7 @@
             <a:fld id="{1D8BD707-D9CF-40AE-B4C6-C98DA3205C09}" type="datetimeFigureOut">
               <a:rPr lang="en-US" smtClean="0"/>
               <a:pPr/>
-              <a:t>12-Jan-20</a:t>
+              <a:t>1/13/2020</a:t>
             </a:fld>
             <a:endParaRPr lang="en-US"/>
           </a:p>
@@ -1847,10 +1847,9 @@
           <a:lstStyle/>
           <a:p>
             <a:r>
-              <a:rPr lang="en-US" smtClean="0"/>
+              <a:rPr lang="en-US"/>
               <a:t>Click to edit Master title style</a:t>
             </a:r>
-            <a:endParaRPr lang="en-US"/>
           </a:p>
         </p:txBody>
       </p:sp>
@@ -1872,7 +1871,7 @@
             <a:fld id="{1D8BD707-D9CF-40AE-B4C6-C98DA3205C09}" type="datetimeFigureOut">
               <a:rPr lang="en-US" smtClean="0"/>
               <a:pPr/>
-              <a:t>12-Jan-20</a:t>
+              <a:t>1/13/2020</a:t>
             </a:fld>
             <a:endParaRPr lang="en-US"/>
           </a:p>
@@ -1964,7 +1963,7 @@
             <a:fld id="{1D8BD707-D9CF-40AE-B4C6-C98DA3205C09}" type="datetimeFigureOut">
               <a:rPr lang="en-US" smtClean="0"/>
               <a:pPr/>
-              <a:t>12-Jan-20</a:t>
+              <a:t>1/13/2020</a:t>
             </a:fld>
             <a:endParaRPr lang="en-US"/>
           </a:p>
@@ -2063,10 +2062,9 @@
           </a:lstStyle>
           <a:p>
             <a:r>
-              <a:rPr lang="en-US" smtClean="0"/>
+              <a:rPr lang="en-US"/>
               <a:t>Click to edit Master title style</a:t>
             </a:r>
-            <a:endParaRPr lang="en-US"/>
           </a:p>
         </p:txBody>
       </p:sp>
@@ -2120,38 +2118,37 @@
           <a:p>
             <a:pPr lvl="0"/>
             <a:r>
-              <a:rPr lang="en-US" smtClean="0"/>
+              <a:rPr lang="en-US"/>
               <a:t>Click to edit Master text styles</a:t>
             </a:r>
           </a:p>
           <a:p>
             <a:pPr lvl="1"/>
             <a:r>
-              <a:rPr lang="en-US" smtClean="0"/>
+              <a:rPr lang="en-US"/>
               <a:t>Second level</a:t>
             </a:r>
           </a:p>
           <a:p>
             <a:pPr lvl="2"/>
             <a:r>
-              <a:rPr lang="en-US" smtClean="0"/>
+              <a:rPr lang="en-US"/>
               <a:t>Third level</a:t>
             </a:r>
           </a:p>
           <a:p>
             <a:pPr lvl="3"/>
             <a:r>
-              <a:rPr lang="en-US" smtClean="0"/>
+              <a:rPr lang="en-US"/>
               <a:t>Fourth level</a:t>
             </a:r>
           </a:p>
           <a:p>
             <a:pPr lvl="4"/>
             <a:r>
-              <a:rPr lang="en-US" smtClean="0"/>
+              <a:rPr lang="en-US"/>
               <a:t>Fifth level</a:t>
             </a:r>
-            <a:endParaRPr lang="en-US"/>
           </a:p>
         </p:txBody>
       </p:sp>
@@ -2214,7 +2211,7 @@
           <a:p>
             <a:pPr lvl="0"/>
             <a:r>
-              <a:rPr lang="en-US" smtClean="0"/>
+              <a:rPr lang="en-US"/>
               <a:t>Click to edit Master text styles</a:t>
             </a:r>
           </a:p>
@@ -2238,7 +2235,7 @@
             <a:fld id="{1D8BD707-D9CF-40AE-B4C6-C98DA3205C09}" type="datetimeFigureOut">
               <a:rPr lang="en-US" smtClean="0"/>
               <a:pPr/>
-              <a:t>12-Jan-20</a:t>
+              <a:t>1/13/2020</a:t>
             </a:fld>
             <a:endParaRPr lang="en-US"/>
           </a:p>
@@ -2337,10 +2334,9 @@
           </a:lstStyle>
           <a:p>
             <a:r>
-              <a:rPr lang="en-US" smtClean="0"/>
+              <a:rPr lang="en-US"/>
               <a:t>Click to edit Master title style</a:t>
             </a:r>
-            <a:endParaRPr lang="en-US"/>
           </a:p>
         </p:txBody>
       </p:sp>
@@ -2464,7 +2460,7 @@
           <a:p>
             <a:pPr lvl="0"/>
             <a:r>
-              <a:rPr lang="en-US" smtClean="0"/>
+              <a:rPr lang="en-US"/>
               <a:t>Click to edit Master text styles</a:t>
             </a:r>
           </a:p>
@@ -2488,7 +2484,7 @@
             <a:fld id="{1D8BD707-D9CF-40AE-B4C6-C98DA3205C09}" type="datetimeFigureOut">
               <a:rPr lang="en-US" smtClean="0"/>
               <a:pPr/>
-              <a:t>12-Jan-20</a:t>
+              <a:t>1/13/2020</a:t>
             </a:fld>
             <a:endParaRPr lang="en-US"/>
           </a:p>
@@ -2593,10 +2589,9 @@
           <a:lstStyle/>
           <a:p>
             <a:r>
-              <a:rPr lang="en-US" smtClean="0"/>
+              <a:rPr lang="en-US"/>
               <a:t>Click to edit Master title style</a:t>
             </a:r>
-            <a:endParaRPr lang="en-US"/>
           </a:p>
         </p:txBody>
       </p:sp>
@@ -2627,38 +2622,37 @@
           <a:p>
             <a:pPr lvl="0"/>
             <a:r>
-              <a:rPr lang="en-US" smtClean="0"/>
+              <a:rPr lang="en-US"/>
               <a:t>Click to edit Master text styles</a:t>
             </a:r>
           </a:p>
           <a:p>
             <a:pPr lvl="1"/>
             <a:r>
-              <a:rPr lang="en-US" smtClean="0"/>
+              <a:rPr lang="en-US"/>
               <a:t>Second level</a:t>
             </a:r>
           </a:p>
           <a:p>
             <a:pPr lvl="2"/>
             <a:r>
-              <a:rPr lang="en-US" smtClean="0"/>
+              <a:rPr lang="en-US"/>
               <a:t>Third level</a:t>
             </a:r>
           </a:p>
           <a:p>
             <a:pPr lvl="3"/>
             <a:r>
-              <a:rPr lang="en-US" smtClean="0"/>
+              <a:rPr lang="en-US"/>
               <a:t>Fourth level</a:t>
             </a:r>
           </a:p>
           <a:p>
             <a:pPr lvl="4"/>
             <a:r>
-              <a:rPr lang="en-US" smtClean="0"/>
+              <a:rPr lang="en-US"/>
               <a:t>Fifth level</a:t>
             </a:r>
-            <a:endParaRPr lang="en-US"/>
           </a:p>
         </p:txBody>
       </p:sp>
@@ -2698,7 +2692,7 @@
             <a:fld id="{1D8BD707-D9CF-40AE-B4C6-C98DA3205C09}" type="datetimeFigureOut">
               <a:rPr lang="en-US" smtClean="0"/>
               <a:pPr/>
-              <a:t>12-Jan-20</a:t>
+              <a:t>1/13/2020</a:t>
             </a:fld>
             <a:endParaRPr lang="en-US"/>
           </a:p>
@@ -3085,10 +3079,9 @@
           <a:lstStyle/>
           <a:p>
             <a:r>
-              <a:rPr lang="en-US" smtClean="0"/>
+              <a:rPr lang="en-US"/>
               <a:t>Drone status monitoring</a:t>
             </a:r>
-            <a:endParaRPr lang="en-US"/>
           </a:p>
         </p:txBody>
       </p:sp>
@@ -3108,10 +3101,9 @@
           <a:lstStyle/>
           <a:p>
             <a:r>
-              <a:rPr lang="en-US" smtClean="0"/>
+              <a:rPr lang="en-US"/>
               <a:t>Team 7</a:t>
             </a:r>
-            <a:endParaRPr lang="en-US"/>
           </a:p>
         </p:txBody>
       </p:sp>
@@ -3129,82 +3121,6 @@
 </file>
 
 <file path=ppt/slides/slide10.xml><?xml version="1.0" encoding="utf-8"?>
-<p:sld xmlns:a="http://schemas.openxmlformats.org/drawingml/2006/main" xmlns:r="http://schemas.openxmlformats.org/officeDocument/2006/relationships" xmlns:p="http://schemas.openxmlformats.org/presentationml/2006/main">
-  <p:cSld>
-    <p:spTree>
-      <p:nvGrpSpPr>
-        <p:cNvPr id="1" name=""/>
-        <p:cNvGrpSpPr/>
-        <p:nvPr/>
-      </p:nvGrpSpPr>
-      <p:grpSpPr>
-        <a:xfrm>
-          <a:off x="0" y="0"/>
-          <a:ext cx="0" cy="0"/>
-          <a:chOff x="0" y="0"/>
-          <a:chExt cx="0" cy="0"/>
-        </a:xfrm>
-      </p:grpSpPr>
-      <p:sp>
-        <p:nvSpPr>
-          <p:cNvPr id="2" name="Title 1"/>
-          <p:cNvSpPr>
-            <a:spLocks noGrp="1"/>
-          </p:cNvSpPr>
-          <p:nvPr>
-            <p:ph type="title"/>
-          </p:nvPr>
-        </p:nvSpPr>
-        <p:spPr/>
-        <p:txBody>
-          <a:bodyPr/>
-          <a:lstStyle/>
-          <a:p>
-            <a:r>
-              <a:rPr lang="en-US" smtClean="0"/>
-              <a:t>Vizualization</a:t>
-            </a:r>
-            <a:endParaRPr lang="en-US"/>
-          </a:p>
-        </p:txBody>
-      </p:sp>
-      <p:sp>
-        <p:nvSpPr>
-          <p:cNvPr id="3" name="Content Placeholder 2"/>
-          <p:cNvSpPr>
-            <a:spLocks noGrp="1"/>
-          </p:cNvSpPr>
-          <p:nvPr>
-            <p:ph idx="1"/>
-          </p:nvPr>
-        </p:nvSpPr>
-        <p:spPr/>
-        <p:txBody>
-          <a:bodyPr/>
-          <a:lstStyle/>
-          <a:p>
-            <a:r>
-              <a:rPr lang="en-US" smtClean="0"/>
-              <a:t>TODO real time sensor data</a:t>
-            </a:r>
-            <a:endParaRPr lang="en-US"/>
-          </a:p>
-        </p:txBody>
-      </p:sp>
-    </p:spTree>
-    <p:extLst>
-      <p:ext uri="{BB962C8B-B14F-4D97-AF65-F5344CB8AC3E}">
-        <p14:creationId xmlns:p14="http://schemas.microsoft.com/office/powerpoint/2010/main" val="107192344"/>
-      </p:ext>
-    </p:extLst>
-  </p:cSld>
-  <p:clrMapOvr>
-    <a:masterClrMapping/>
-  </p:clrMapOvr>
-</p:sld>
-</file>
-
-<file path=ppt/slides/slide11.xml><?xml version="1.0" encoding="utf-8"?>
 <p:sld xmlns:a="http://schemas.openxmlformats.org/drawingml/2006/main" xmlns:r="http://schemas.openxmlformats.org/officeDocument/2006/relationships" xmlns:p="http://schemas.openxmlformats.org/presentationml/2006/main">
   <p:cSld>
     <p:spTree>
@@ -3333,10 +3249,9 @@
           <a:lstStyle/>
           <a:p>
             <a:r>
-              <a:rPr lang="en-US" smtClean="0"/>
+              <a:rPr lang="en-US"/>
               <a:t>Use cases</a:t>
             </a:r>
-            <a:endParaRPr lang="en-US"/>
           </a:p>
         </p:txBody>
       </p:sp>
@@ -3366,77 +3281,46 @@
               <a:rPr lang="en-US"/>
               <a:t>Main goal: drone safety monitoring</a:t>
             </a:r>
-            <a:endParaRPr lang="en-US"/>
           </a:p>
           <a:p>
             <a:r>
               <a:rPr lang="en-US"/>
               <a:t>Data sources:</a:t>
             </a:r>
-            <a:endParaRPr lang="en-US"/>
           </a:p>
           <a:p>
             <a:pPr lvl="1" fontAlgn="base"/>
             <a:r>
               <a:rPr lang="en-US"/>
-              <a:t>BOSCH sensor on the drone that outputs: humidity and magnetic </a:t>
-            </a:r>
-            <a:r>
-              <a:rPr lang="en-US"/>
-              <a:t>field </a:t>
-            </a:r>
-            <a:r>
-              <a:rPr lang="en-US" smtClean="0"/>
-              <a:t>strength</a:t>
+              <a:t>BOSCH sensor on the drone that outputs: humidity and magnetic field strength</a:t>
             </a:r>
           </a:p>
           <a:p>
             <a:pPr lvl="1" fontAlgn="base"/>
             <a:r>
-              <a:rPr lang="en-US" smtClean="0"/>
-              <a:t>Generator </a:t>
-            </a:r>
-            <a:r>
-              <a:rPr lang="en-US"/>
-              <a:t>for location information: altitude and </a:t>
-            </a:r>
-            <a:r>
-              <a:rPr lang="en-US"/>
-              <a:t>GPS </a:t>
-            </a:r>
-            <a:r>
-              <a:rPr lang="en-US" smtClean="0"/>
-              <a:t>coordinates</a:t>
-            </a:r>
-          </a:p>
-          <a:p>
-            <a:r>
-              <a:rPr lang="en-US"/>
-              <a:t>Use </a:t>
-            </a:r>
-            <a:r>
-              <a:rPr lang="en-US"/>
-              <a:t>cases</a:t>
-            </a:r>
-            <a:r>
-              <a:rPr lang="en-US" smtClean="0"/>
-              <a:t>:</a:t>
+              <a:rPr lang="en-US"/>
+              <a:t>Generator for location information: altitude and GPS coordinates</a:t>
+            </a:r>
+          </a:p>
+          <a:p>
+            <a:r>
+              <a:rPr lang="en-US"/>
+              <a:t>Use cases:</a:t>
             </a:r>
           </a:p>
           <a:p>
             <a:pPr lvl="1" fontAlgn="base"/>
             <a:r>
-              <a:rPr lang="en-US" smtClean="0"/>
+              <a:rPr lang="en-US"/>
               <a:t>Find locations (lat,long) where environment variables are not within safety levels</a:t>
             </a:r>
           </a:p>
           <a:p>
             <a:pPr lvl="1" fontAlgn="base"/>
             <a:r>
-              <a:rPr lang="en-US" smtClean="0"/>
+              <a:rPr lang="en-US"/>
               <a:t>TODO</a:t>
             </a:r>
-            <a:endParaRPr lang="en-US"/>
           </a:p>
           <a:p>
             <a:pPr fontAlgn="base"/>
@@ -3493,10 +3377,9 @@
           <a:lstStyle/>
           <a:p>
             <a:r>
-              <a:rPr lang="en-US" smtClean="0"/>
+              <a:rPr lang="en-US"/>
               <a:t>Generator for location info</a:t>
             </a:r>
-            <a:endParaRPr lang="en-US"/>
           </a:p>
         </p:txBody>
       </p:sp>
@@ -3523,22 +3406,14 @@
           <a:lstStyle/>
           <a:p>
             <a:r>
-              <a:rPr lang="en-US" smtClean="0"/>
+              <a:rPr lang="en-US"/>
               <a:t>Structured data stored in MySql db</a:t>
             </a:r>
           </a:p>
           <a:p>
             <a:r>
               <a:rPr lang="en-US"/>
-              <a:t>Remote hosted at: jdbc:mysql</a:t>
-            </a:r>
-            <a:r>
-              <a:rPr lang="en-US"/>
-              <a:t>://</a:t>
-            </a:r>
-            <a:r>
-              <a:rPr lang="en-US" smtClean="0"/>
-              <a:t>remotemysql.com:3306/uf5xGXLgpR</a:t>
+              <a:t>Remote hosted at: jdbc:mysql://remotemysql.com:3306/uf5xGXLgpR</a:t>
             </a:r>
           </a:p>
         </p:txBody>
@@ -3653,10 +3528,9 @@
           <a:lstStyle/>
           <a:p>
             <a:r>
-              <a:rPr lang="en-US" smtClean="0"/>
+              <a:rPr lang="en-US"/>
               <a:t>Generator data integration</a:t>
             </a:r>
-            <a:endParaRPr lang="en-US"/>
           </a:p>
         </p:txBody>
       </p:sp>
@@ -3683,18 +3557,18 @@
           <a:lstStyle/>
           <a:p>
             <a:r>
-              <a:rPr lang="en-US" smtClean="0"/>
+              <a:rPr lang="en-US"/>
               <a:t>Sqoop-job on Hadoop cluster</a:t>
             </a:r>
           </a:p>
           <a:p>
             <a:r>
-              <a:rPr lang="en-US" smtClean="0"/>
+              <a:rPr lang="en-US"/>
               <a:t>Incremental on timestamp column, so it only imports newer values</a:t>
             </a:r>
           </a:p>
           <a:p>
-            <a:endParaRPr lang="en-US" smtClean="0"/>
+            <a:endParaRPr lang="en-US"/>
           </a:p>
           <a:p>
             <a:endParaRPr lang="en-US"/>
@@ -3989,12 +3863,12 @@
           </a:lstStyle>
           <a:p>
             <a:r>
-              <a:rPr lang="en-US" sz="2200" smtClean="0"/>
+              <a:rPr lang="en-US" sz="2200"/>
               <a:t>Ran periodically every 3 mins as a cronjob</a:t>
             </a:r>
           </a:p>
           <a:p>
-            <a:endParaRPr lang="en-US" sz="2200" smtClean="0"/>
+            <a:endParaRPr lang="en-US" sz="2200"/>
           </a:p>
           <a:p>
             <a:endParaRPr lang="en-US" sz="2200"/>
@@ -4033,7 +3907,13 @@
       </p:grpSpPr>
       <p:sp>
         <p:nvSpPr>
-          <p:cNvPr id="2" name="Title 1"/>
+          <p:cNvPr id="8" name="Title 1">
+            <a:extLst>
+              <a:ext uri="{FF2B5EF4-FFF2-40B4-BE49-F238E27FC236}">
+                <a16:creationId xmlns:a16="http://schemas.microsoft.com/office/drawing/2014/main" id="{0253713F-0149-4DDA-B6FC-6686096087BD}"/>
+              </a:ext>
+            </a:extLst>
+          </p:cNvPr>
           <p:cNvSpPr>
             <a:spLocks noGrp="1"/>
           </p:cNvSpPr>
@@ -4041,22 +3921,32 @@
             <p:ph type="title"/>
           </p:nvPr>
         </p:nvSpPr>
-        <p:spPr/>
-        <p:txBody>
-          <a:bodyPr/>
-          <a:lstStyle/>
-          <a:p>
-            <a:r>
-              <a:rPr lang="en-US" smtClean="0"/>
-              <a:t>Senzor data</a:t>
-            </a:r>
-            <a:endParaRPr lang="en-US"/>
-          </a:p>
-        </p:txBody>
-      </p:sp>
-      <p:sp>
-        <p:nvSpPr>
-          <p:cNvPr id="3" name="Content Placeholder 2"/>
+        <p:spPr>
+          <a:xfrm>
+            <a:off x="457200" y="274638"/>
+            <a:ext cx="8229600" cy="1143000"/>
+          </a:xfrm>
+        </p:spPr>
+        <p:txBody>
+          <a:bodyPr/>
+          <a:lstStyle/>
+          <a:p>
+            <a:r>
+              <a:rPr lang="en-US" dirty="0"/>
+              <a:t>Sensor data</a:t>
+            </a:r>
+          </a:p>
+        </p:txBody>
+      </p:sp>
+      <p:sp>
+        <p:nvSpPr>
+          <p:cNvPr id="9" name="Content Placeholder 2">
+            <a:extLst>
+              <a:ext uri="{FF2B5EF4-FFF2-40B4-BE49-F238E27FC236}">
+                <a16:creationId xmlns:a16="http://schemas.microsoft.com/office/drawing/2014/main" id="{B8C502AA-D568-4CF9-97EF-02C7CE40F1F9}"/>
+              </a:ext>
+            </a:extLst>
+          </p:cNvPr>
           <p:cNvSpPr>
             <a:spLocks noGrp="1"/>
           </p:cNvSpPr>
@@ -4064,16 +3954,257 @@
             <p:ph idx="1"/>
           </p:nvPr>
         </p:nvSpPr>
-        <p:spPr/>
-        <p:txBody>
-          <a:bodyPr/>
-          <a:lstStyle/>
-          <a:p>
-            <a:r>
-              <a:rPr lang="en-US" smtClean="0"/>
-              <a:t>TODO</a:t>
-            </a:r>
-            <a:endParaRPr lang="en-US"/>
+        <p:spPr>
+          <a:xfrm>
+            <a:off x="457200" y="1600201"/>
+            <a:ext cx="8229600" cy="1066800"/>
+          </a:xfrm>
+        </p:spPr>
+        <p:txBody>
+          <a:bodyPr/>
+          <a:lstStyle/>
+          <a:p>
+            <a:r>
+              <a:rPr lang="en-US" dirty="0"/>
+              <a:t>Extract humidity + magnetic field, store alongside timestamp in csv files</a:t>
+            </a:r>
+          </a:p>
+          <a:p>
+            <a:pPr marL="0" indent="0">
+              <a:buNone/>
+            </a:pPr>
+            <a:endParaRPr lang="en-US" dirty="0"/>
+          </a:p>
+        </p:txBody>
+      </p:sp>
+      <p:sp>
+        <p:nvSpPr>
+          <p:cNvPr id="10" name="Title 1">
+            <a:extLst>
+              <a:ext uri="{FF2B5EF4-FFF2-40B4-BE49-F238E27FC236}">
+                <a16:creationId xmlns:a16="http://schemas.microsoft.com/office/drawing/2014/main" id="{B714ABE7-DEC4-401B-A61F-6A3F6B1A1042}"/>
+              </a:ext>
+            </a:extLst>
+          </p:cNvPr>
+          <p:cNvSpPr txBox="1">
+            <a:spLocks/>
+          </p:cNvSpPr>
+          <p:nvPr/>
+        </p:nvSpPr>
+        <p:spPr>
+          <a:xfrm>
+            <a:off x="685800" y="2743200"/>
+            <a:ext cx="8229600" cy="1143000"/>
+          </a:xfrm>
+          <a:prstGeom prst="rect">
+            <a:avLst/>
+          </a:prstGeom>
+        </p:spPr>
+        <p:txBody>
+          <a:bodyPr vert="horz" lIns="91440" tIns="45720" rIns="91440" bIns="45720" rtlCol="0" anchor="ctr">
+            <a:normAutofit/>
+          </a:bodyPr>
+          <a:lstStyle>
+            <a:lvl1pPr algn="ctr" defTabSz="914400" rtl="0" eaLnBrk="1" latinLnBrk="0" hangingPunct="1">
+              <a:spcBef>
+                <a:spcPct val="0"/>
+              </a:spcBef>
+              <a:buNone/>
+              <a:defRPr sz="4400" kern="1200">
+                <a:solidFill>
+                  <a:schemeClr val="tx1"/>
+                </a:solidFill>
+                <a:latin typeface="+mj-lt"/>
+                <a:ea typeface="+mj-ea"/>
+                <a:cs typeface="+mj-cs"/>
+              </a:defRPr>
+            </a:lvl1pPr>
+          </a:lstStyle>
+          <a:p>
+            <a:r>
+              <a:rPr lang="en-US"/>
+              <a:t>Senzor Data Integration</a:t>
+            </a:r>
+            <a:endParaRPr lang="en-US" dirty="0"/>
+          </a:p>
+        </p:txBody>
+      </p:sp>
+      <p:sp>
+        <p:nvSpPr>
+          <p:cNvPr id="11" name="Content Placeholder 2">
+            <a:extLst>
+              <a:ext uri="{FF2B5EF4-FFF2-40B4-BE49-F238E27FC236}">
+                <a16:creationId xmlns:a16="http://schemas.microsoft.com/office/drawing/2014/main" id="{4C2AF8AC-C6F2-462D-9C62-1171CD039252}"/>
+              </a:ext>
+            </a:extLst>
+          </p:cNvPr>
+          <p:cNvSpPr txBox="1">
+            <a:spLocks/>
+          </p:cNvSpPr>
+          <p:nvPr/>
+        </p:nvSpPr>
+        <p:spPr>
+          <a:xfrm>
+            <a:off x="457200" y="4114800"/>
+            <a:ext cx="8229600" cy="1524000"/>
+          </a:xfrm>
+          <a:prstGeom prst="rect">
+            <a:avLst/>
+          </a:prstGeom>
+        </p:spPr>
+        <p:txBody>
+          <a:bodyPr vert="horz" lIns="91440" tIns="45720" rIns="91440" bIns="45720" rtlCol="0">
+            <a:normAutofit lnSpcReduction="10000"/>
+          </a:bodyPr>
+          <a:lstStyle>
+            <a:lvl1pPr marL="342900" indent="-342900" algn="l" defTabSz="914400" rtl="0" eaLnBrk="1" latinLnBrk="0" hangingPunct="1">
+              <a:spcBef>
+                <a:spcPct val="20000"/>
+              </a:spcBef>
+              <a:buFont typeface="Arial" pitchFamily="34" charset="0"/>
+              <a:buChar char="•"/>
+              <a:defRPr sz="3200" kern="1200">
+                <a:solidFill>
+                  <a:schemeClr val="tx1"/>
+                </a:solidFill>
+                <a:latin typeface="+mn-lt"/>
+                <a:ea typeface="+mn-ea"/>
+                <a:cs typeface="+mn-cs"/>
+              </a:defRPr>
+            </a:lvl1pPr>
+            <a:lvl2pPr marL="742950" indent="-285750" algn="l" defTabSz="914400" rtl="0" eaLnBrk="1" latinLnBrk="0" hangingPunct="1">
+              <a:spcBef>
+                <a:spcPct val="20000"/>
+              </a:spcBef>
+              <a:buFont typeface="Arial" pitchFamily="34" charset="0"/>
+              <a:buChar char="–"/>
+              <a:defRPr sz="2800" kern="1200">
+                <a:solidFill>
+                  <a:schemeClr val="tx1"/>
+                </a:solidFill>
+                <a:latin typeface="+mn-lt"/>
+                <a:ea typeface="+mn-ea"/>
+                <a:cs typeface="+mn-cs"/>
+              </a:defRPr>
+            </a:lvl2pPr>
+            <a:lvl3pPr marL="1143000" indent="-228600" algn="l" defTabSz="914400" rtl="0" eaLnBrk="1" latinLnBrk="0" hangingPunct="1">
+              <a:spcBef>
+                <a:spcPct val="20000"/>
+              </a:spcBef>
+              <a:buFont typeface="Arial" pitchFamily="34" charset="0"/>
+              <a:buChar char="•"/>
+              <a:defRPr sz="2400" kern="1200">
+                <a:solidFill>
+                  <a:schemeClr val="tx1"/>
+                </a:solidFill>
+                <a:latin typeface="+mn-lt"/>
+                <a:ea typeface="+mn-ea"/>
+                <a:cs typeface="+mn-cs"/>
+              </a:defRPr>
+            </a:lvl3pPr>
+            <a:lvl4pPr marL="1600200" indent="-228600" algn="l" defTabSz="914400" rtl="0" eaLnBrk="1" latinLnBrk="0" hangingPunct="1">
+              <a:spcBef>
+                <a:spcPct val="20000"/>
+              </a:spcBef>
+              <a:buFont typeface="Arial" pitchFamily="34" charset="0"/>
+              <a:buChar char="–"/>
+              <a:defRPr sz="2000" kern="1200">
+                <a:solidFill>
+                  <a:schemeClr val="tx1"/>
+                </a:solidFill>
+                <a:latin typeface="+mn-lt"/>
+                <a:ea typeface="+mn-ea"/>
+                <a:cs typeface="+mn-cs"/>
+              </a:defRPr>
+            </a:lvl4pPr>
+            <a:lvl5pPr marL="2057400" indent="-228600" algn="l" defTabSz="914400" rtl="0" eaLnBrk="1" latinLnBrk="0" hangingPunct="1">
+              <a:spcBef>
+                <a:spcPct val="20000"/>
+              </a:spcBef>
+              <a:buFont typeface="Arial" pitchFamily="34" charset="0"/>
+              <a:buChar char="»"/>
+              <a:defRPr sz="2000" kern="1200">
+                <a:solidFill>
+                  <a:schemeClr val="tx1"/>
+                </a:solidFill>
+                <a:latin typeface="+mn-lt"/>
+                <a:ea typeface="+mn-ea"/>
+                <a:cs typeface="+mn-cs"/>
+              </a:defRPr>
+            </a:lvl5pPr>
+            <a:lvl6pPr marL="2514600" indent="-228600" algn="l" defTabSz="914400" rtl="0" eaLnBrk="1" latinLnBrk="0" hangingPunct="1">
+              <a:spcBef>
+                <a:spcPct val="20000"/>
+              </a:spcBef>
+              <a:buFont typeface="Arial" pitchFamily="34" charset="0"/>
+              <a:buChar char="•"/>
+              <a:defRPr sz="2000" kern="1200">
+                <a:solidFill>
+                  <a:schemeClr val="tx1"/>
+                </a:solidFill>
+                <a:latin typeface="+mn-lt"/>
+                <a:ea typeface="+mn-ea"/>
+                <a:cs typeface="+mn-cs"/>
+              </a:defRPr>
+            </a:lvl6pPr>
+            <a:lvl7pPr marL="2971800" indent="-228600" algn="l" defTabSz="914400" rtl="0" eaLnBrk="1" latinLnBrk="0" hangingPunct="1">
+              <a:spcBef>
+                <a:spcPct val="20000"/>
+              </a:spcBef>
+              <a:buFont typeface="Arial" pitchFamily="34" charset="0"/>
+              <a:buChar char="•"/>
+              <a:defRPr sz="2000" kern="1200">
+                <a:solidFill>
+                  <a:schemeClr val="tx1"/>
+                </a:solidFill>
+                <a:latin typeface="+mn-lt"/>
+                <a:ea typeface="+mn-ea"/>
+                <a:cs typeface="+mn-cs"/>
+              </a:defRPr>
+            </a:lvl7pPr>
+            <a:lvl8pPr marL="3429000" indent="-228600" algn="l" defTabSz="914400" rtl="0" eaLnBrk="1" latinLnBrk="0" hangingPunct="1">
+              <a:spcBef>
+                <a:spcPct val="20000"/>
+              </a:spcBef>
+              <a:buFont typeface="Arial" pitchFamily="34" charset="0"/>
+              <a:buChar char="•"/>
+              <a:defRPr sz="2000" kern="1200">
+                <a:solidFill>
+                  <a:schemeClr val="tx1"/>
+                </a:solidFill>
+                <a:latin typeface="+mn-lt"/>
+                <a:ea typeface="+mn-ea"/>
+                <a:cs typeface="+mn-cs"/>
+              </a:defRPr>
+            </a:lvl8pPr>
+            <a:lvl9pPr marL="3886200" indent="-228600" algn="l" defTabSz="914400" rtl="0" eaLnBrk="1" latinLnBrk="0" hangingPunct="1">
+              <a:spcBef>
+                <a:spcPct val="20000"/>
+              </a:spcBef>
+              <a:buFont typeface="Arial" pitchFamily="34" charset="0"/>
+              <a:buChar char="•"/>
+              <a:defRPr sz="2000" kern="1200">
+                <a:solidFill>
+                  <a:schemeClr val="tx1"/>
+                </a:solidFill>
+                <a:latin typeface="+mn-lt"/>
+                <a:ea typeface="+mn-ea"/>
+                <a:cs typeface="+mn-cs"/>
+              </a:defRPr>
+            </a:lvl9pPr>
+          </a:lstStyle>
+          <a:p>
+            <a:r>
+              <a:rPr lang="en-US"/>
+              <a:t>Spark structured stream, polls the directory where sensor data is saved</a:t>
+            </a:r>
+          </a:p>
+          <a:p>
+            <a:r>
+              <a:rPr lang="en-US"/>
+              <a:t>Uploads results into hdfs</a:t>
+            </a:r>
+            <a:endParaRPr lang="en-US" dirty="0"/>
           </a:p>
         </p:txBody>
       </p:sp>
@@ -4123,10 +4254,9 @@
           <a:lstStyle/>
           <a:p>
             <a:r>
-              <a:rPr lang="en-US" smtClean="0"/>
-              <a:t>Senzor Data Integration</a:t>
-            </a:r>
-            <a:endParaRPr lang="en-US"/>
+              <a:rPr lang="en-US"/>
+              <a:t>Data processing</a:t>
+            </a:r>
           </a:p>
         </p:txBody>
       </p:sp>
@@ -4146,17 +4276,41 @@
           <a:lstStyle/>
           <a:p>
             <a:r>
-              <a:rPr lang="en-US" smtClean="0"/>
-              <a:t>TODO</a:t>
-            </a:r>
-            <a:endParaRPr lang="en-US"/>
+              <a:rPr lang="en-US" dirty="0"/>
+              <a:t>Spark structured stream, polls </a:t>
+            </a:r>
+            <a:r>
+              <a:rPr lang="en-US" dirty="0" err="1"/>
+              <a:t>hdfs</a:t>
+            </a:r>
+            <a:r>
+              <a:rPr lang="en-US" dirty="0"/>
+              <a:t> for new files</a:t>
+            </a:r>
+          </a:p>
+          <a:p>
+            <a:r>
+              <a:rPr lang="en-US" dirty="0"/>
+              <a:t>Join on timestamp, applies filter for dangerous humidity values</a:t>
+            </a:r>
+          </a:p>
+          <a:p>
+            <a:r>
+              <a:rPr lang="en-US" dirty="0"/>
+              <a:t>Stores processing results in Cassandra </a:t>
+            </a:r>
+            <a:r>
+              <a:rPr lang="en-US" dirty="0" err="1"/>
+              <a:t>db</a:t>
+            </a:r>
+            <a:endParaRPr lang="en-US" dirty="0"/>
           </a:p>
         </p:txBody>
       </p:sp>
     </p:spTree>
     <p:extLst>
       <p:ext uri="{BB962C8B-B14F-4D97-AF65-F5344CB8AC3E}">
-        <p14:creationId xmlns:p14="http://schemas.microsoft.com/office/powerpoint/2010/main" val="1237360855"/>
+        <p14:creationId xmlns:p14="http://schemas.microsoft.com/office/powerpoint/2010/main" val="4231917766"/>
       </p:ext>
     </p:extLst>
   </p:cSld>
@@ -4199,10 +4353,9 @@
           <a:lstStyle/>
           <a:p>
             <a:r>
-              <a:rPr lang="en-US" smtClean="0"/>
-              <a:t>Data processing</a:t>
-            </a:r>
-            <a:endParaRPr lang="en-US"/>
+              <a:rPr lang="en-US"/>
+              <a:t>Data provisioning</a:t>
+            </a:r>
           </a:p>
         </p:txBody>
       </p:sp>
@@ -4216,15 +4369,36 @@
             <p:ph idx="1"/>
           </p:nvPr>
         </p:nvSpPr>
-        <p:spPr/>
-        <p:txBody>
-          <a:bodyPr/>
-          <a:lstStyle/>
-          <a:p>
-            <a:r>
-              <a:rPr lang="en-US" smtClean="0"/>
-              <a:t>TODO</a:t>
-            </a:r>
+        <p:spPr>
+          <a:xfrm>
+            <a:off x="457200" y="1600200"/>
+            <a:ext cx="8229600" cy="3276599"/>
+          </a:xfrm>
+        </p:spPr>
+        <p:txBody>
+          <a:bodyPr>
+            <a:normAutofit fontScale="92500" lnSpcReduction="10000"/>
+          </a:bodyPr>
+          <a:lstStyle/>
+          <a:p>
+            <a:r>
+              <a:rPr lang="en-US"/>
+              <a:t>Processing results are stored in Cassandra DB</a:t>
+            </a:r>
+          </a:p>
+          <a:p>
+            <a:r>
+              <a:rPr lang="en-US"/>
+              <a:t>Cassandra has index on timestamp column to allow efficient queries </a:t>
+            </a:r>
+          </a:p>
+          <a:p>
+            <a:r>
+              <a:rPr lang="en-US"/>
+              <a:t>CREATE CUSTOM INDEX if not exists ON team7.vis_demo(timestamp) USING 'org.apache.cassandra.index.sasi.SASIIndex' WITH OPTIONS = {'mode':'SPARSE'} </a:t>
+            </a:r>
+          </a:p>
+          <a:p>
             <a:endParaRPr lang="en-US"/>
           </a:p>
         </p:txBody>
@@ -4232,7 +4406,7 @@
     </p:spTree>
     <p:extLst>
       <p:ext uri="{BB962C8B-B14F-4D97-AF65-F5344CB8AC3E}">
-        <p14:creationId xmlns:p14="http://schemas.microsoft.com/office/powerpoint/2010/main" val="4231917766"/>
+        <p14:creationId xmlns:p14="http://schemas.microsoft.com/office/powerpoint/2010/main" val="3717424292"/>
       </p:ext>
     </p:extLst>
   </p:cSld>
@@ -4275,10 +4449,9 @@
           <a:lstStyle/>
           <a:p>
             <a:r>
-              <a:rPr lang="en-US" smtClean="0"/>
-              <a:t>Data provisioning</a:t>
-            </a:r>
-            <a:endParaRPr lang="en-US"/>
+              <a:rPr lang="en-US"/>
+              <a:t>Vizualization</a:t>
+            </a:r>
           </a:p>
         </p:txBody>
       </p:sp>
@@ -4292,68 +4465,28 @@
             <p:ph idx="1"/>
           </p:nvPr>
         </p:nvSpPr>
-        <p:spPr>
-          <a:xfrm>
-            <a:off x="457200" y="1600200"/>
-            <a:ext cx="8229600" cy="3276599"/>
-          </a:xfrm>
-        </p:spPr>
-        <p:txBody>
-          <a:bodyPr>
-            <a:normAutofit fontScale="92500" lnSpcReduction="10000"/>
-          </a:bodyPr>
-          <a:lstStyle/>
-          <a:p>
-            <a:r>
-              <a:rPr lang="en-US" smtClean="0"/>
-              <a:t>Processing results are stored in Cassandra DB</a:t>
-            </a:r>
-          </a:p>
-          <a:p>
-            <a:r>
-              <a:rPr lang="en-US" smtClean="0"/>
-              <a:t>Cassandra has index on timestamp column to allow efficient queries </a:t>
-            </a:r>
-          </a:p>
-          <a:p>
-            <a:r>
-              <a:rPr lang="en-US"/>
-              <a:t>CREATE CUSTOM INDEX if not exists ON team7.vis_demo(timestamp) USING</a:t>
-            </a:r>
-            <a:r>
-              <a:rPr lang="en-US"/>
-              <a:t> </a:t>
-            </a:r>
-            <a:r>
-              <a:rPr lang="en-US" smtClean="0"/>
-              <a:t>'org.apache.cassandra.index.sasi.SASIIndex'</a:t>
-            </a:r>
-            <a:r>
-              <a:rPr lang="en-US"/>
-              <a:t> WITH OPTIONS =</a:t>
-            </a:r>
-            <a:r>
-              <a:rPr lang="en-US"/>
-              <a:t> </a:t>
-            </a:r>
-            <a:r>
-              <a:rPr lang="en-US" smtClean="0"/>
-              <a:t>{'mode':'SPARSE'}</a:t>
-            </a:r>
-            <a:r>
-              <a:rPr lang="en-US"/>
-              <a:t> </a:t>
-            </a:r>
-          </a:p>
-          <a:p>
-            <a:endParaRPr lang="en-US"/>
+        <p:spPr/>
+        <p:txBody>
+          <a:bodyPr/>
+          <a:lstStyle/>
+          <a:p>
+            <a:r>
+              <a:rPr lang="en-US"/>
+              <a:t>Real-time view of dangerous areas through a python script that queries Cassandra periodically; ran on jupyter with ipyleaflet</a:t>
+            </a:r>
+          </a:p>
+          <a:p>
+            <a:r>
+              <a:rPr lang="en-US"/>
+              <a:t>Reports of generator data from a dashboard written in R + shiny</a:t>
+            </a:r>
           </a:p>
         </p:txBody>
       </p:sp>
     </p:spTree>
     <p:extLst>
       <p:ext uri="{BB962C8B-B14F-4D97-AF65-F5344CB8AC3E}">
-        <p14:creationId xmlns:p14="http://schemas.microsoft.com/office/powerpoint/2010/main" val="3717424292"/>
+        <p14:creationId xmlns:p14="http://schemas.microsoft.com/office/powerpoint/2010/main" val="1288733471"/>
       </p:ext>
     </p:extLst>
   </p:cSld>
@@ -4396,10 +4529,9 @@
           <a:lstStyle/>
           <a:p>
             <a:r>
-              <a:rPr lang="en-US" smtClean="0"/>
+              <a:rPr lang="en-US"/>
               <a:t>Vizualization</a:t>
             </a:r>
-            <a:endParaRPr lang="en-US"/>
           </a:p>
         </p:txBody>
       </p:sp>
@@ -4419,23 +4551,16 @@
           <a:lstStyle/>
           <a:p>
             <a:r>
-              <a:rPr lang="en-US" smtClean="0"/>
-              <a:t>Real-time view of dangerous areas through a python script that queries Cassandra periodically; ran on jupyter with ipyleaflet</a:t>
-            </a:r>
-          </a:p>
-          <a:p>
-            <a:r>
-              <a:rPr lang="en-US" smtClean="0"/>
-              <a:t>Reports of generator data from a dashboard written in R + shiny</a:t>
-            </a:r>
-            <a:endParaRPr lang="en-US"/>
+              <a:rPr lang="en-US" dirty="0"/>
+              <a:t>D3.js polls sensor file and displays in real time the environment values</a:t>
+            </a:r>
           </a:p>
         </p:txBody>
       </p:sp>
     </p:spTree>
     <p:extLst>
       <p:ext uri="{BB962C8B-B14F-4D97-AF65-F5344CB8AC3E}">
-        <p14:creationId xmlns:p14="http://schemas.microsoft.com/office/powerpoint/2010/main" val="1288733471"/>
+        <p14:creationId xmlns:p14="http://schemas.microsoft.com/office/powerpoint/2010/main" val="107192344"/>
       </p:ext>
     </p:extLst>
   </p:cSld>
